--- a/WEEK 5.pptx
+++ b/WEEK 5.pptx
@@ -116,6 +116,11 @@
       </a:defRPr>
     </a:lvl9pPr>
   </p:defaultTextStyle>
+  <p:extLst>
+    <p:ext uri="{EFAFB233-063F-42B5-8137-9DF3F51BA10A}">
+      <p15:sldGuideLst xmlns:p15="http://schemas.microsoft.com/office/powerpoint/2012/main"/>
+    </p:ext>
+  </p:extLst>
 </p:presentation>
 </file>
 
@@ -3626,6 +3631,64 @@
             <a:r>
               <a:rPr lang="en-US" dirty="0" smtClean="0"/>
               <a:t>More Deeper JS</a:t>
+            </a:r>
+            <a:endParaRPr lang="en-US" dirty="0"/>
+          </a:p>
+        </p:txBody>
+      </p:sp>
+      <p:sp>
+        <p:nvSpPr>
+          <p:cNvPr id="3" name="Rectangle 2"/>
+          <p:cNvSpPr/>
+          <p:nvPr/>
+        </p:nvSpPr>
+        <p:spPr>
+          <a:xfrm>
+            <a:off x="838200" y="1509189"/>
+            <a:ext cx="5819157" cy="646331"/>
+          </a:xfrm>
+          <a:prstGeom prst="rect">
+            <a:avLst/>
+          </a:prstGeom>
+        </p:spPr>
+        <p:txBody>
+          <a:bodyPr wrap="none">
+            <a:spAutoFit/>
+          </a:bodyPr>
+          <a:lstStyle/>
+          <a:p>
+            <a:r>
+              <a:rPr lang="en-US" dirty="0" smtClean="0"/>
+              <a:t>Source	: </a:t>
+            </a:r>
+            <a:r>
+              <a:rPr lang="en-US" dirty="0" smtClean="0">
+                <a:hlinkClick r:id="rId2"/>
+              </a:rPr>
+              <a:t>https</a:t>
+            </a:r>
+            <a:r>
+              <a:rPr lang="en-US" dirty="0">
+                <a:hlinkClick r:id="rId2"/>
+              </a:rPr>
+              <a:t>://</a:t>
+            </a:r>
+            <a:r>
+              <a:rPr lang="en-US" dirty="0" smtClean="0">
+                <a:hlinkClick r:id="rId2"/>
+              </a:rPr>
+              <a:t>github.com/alifrazanit/ngodingBareng.git</a:t>
+            </a:r>
+            <a:endParaRPr lang="en-US" dirty="0" smtClean="0"/>
+          </a:p>
+          <a:p>
+            <a:r>
+              <a:rPr lang="en-US" dirty="0" smtClean="0"/>
+              <a:t>Branch	: </a:t>
+            </a:r>
+            <a:r>
+              <a:rPr lang="en-US" dirty="0" err="1" smtClean="0"/>
+              <a:t>becomefullstack</a:t>
             </a:r>
             <a:endParaRPr lang="en-US" dirty="0"/>
           </a:p>
@@ -7406,45 +7469,13 @@
           <a:p>
             <a:r>
               <a:rPr lang="en-US" dirty="0" smtClean="0"/>
-              <a:t>&lt;span </a:t>
-            </a:r>
-            <a:r>
-              <a:rPr lang="en-US" dirty="0" smtClean="0"/>
-              <a:t>id</a:t>
-            </a:r>
-            <a:r>
-              <a:rPr lang="en-US" dirty="0" smtClean="0"/>
-              <a:t>=“panel-</a:t>
-            </a:r>
-            <a:r>
-              <a:rPr lang="en-US" dirty="0" smtClean="0"/>
-              <a:t>title</a:t>
-            </a:r>
-            <a:r>
-              <a:rPr lang="en-US" dirty="0" smtClean="0"/>
-              <a:t>”&gt;&lt;/span&gt;</a:t>
-            </a:r>
-          </a:p>
-          <a:p>
-            <a:r>
-              <a:rPr lang="en-US" dirty="0" smtClean="0"/>
-              <a:t>&lt;body </a:t>
-            </a:r>
-            <a:r>
-              <a:rPr lang="en-US" dirty="0" smtClean="0"/>
-              <a:t>id</a:t>
-            </a:r>
-            <a:r>
-              <a:rPr lang="en-US" dirty="0" smtClean="0"/>
-              <a:t>=“panel-</a:t>
-            </a:r>
-            <a:r>
-              <a:rPr lang="en-US" dirty="0" smtClean="0"/>
-              <a:t>title</a:t>
-            </a:r>
-            <a:r>
-              <a:rPr lang="en-US" dirty="0" smtClean="0"/>
-              <a:t>”&gt;&lt;/body&gt; </a:t>
+              <a:t>&lt;span id=“panel-title”&gt;&lt;/span&gt;</a:t>
+            </a:r>
+          </a:p>
+          <a:p>
+            <a:r>
+              <a:rPr lang="en-US" dirty="0" smtClean="0"/>
+              <a:t>&lt;body id=“panel-title”&gt;&lt;/body&gt; </a:t>
             </a:r>
             <a:endParaRPr lang="en-US" dirty="0"/>
           </a:p>
